--- a/tree/theory/트리 발표_김주원_조경호.pptx
+++ b/tree/theory/트리 발표_김주원_조경호.pptx
@@ -168,7 +168,7 @@
   <pc:docChgLst>
     <pc:chgData name="김주원" userId="50e89f99-2ab9-42fd-b407-8b4a13408e07" providerId="ADAL" clId="{FD2AFB32-5638-4DE0-9022-AF69CFC68F46}"/>
     <pc:docChg chg="undo custSel addSld delSld modSld">
-      <pc:chgData name="김주원" userId="50e89f99-2ab9-42fd-b407-8b4a13408e07" providerId="ADAL" clId="{FD2AFB32-5638-4DE0-9022-AF69CFC68F46}" dt="2024-01-22T12:03:03.155" v="1084" actId="47"/>
+      <pc:chgData name="김주원" userId="50e89f99-2ab9-42fd-b407-8b4a13408e07" providerId="ADAL" clId="{FD2AFB32-5638-4DE0-9022-AF69CFC68F46}" dt="2024-01-24T15:49:50.354" v="1190" actId="113"/>
       <pc:docMkLst>
         <pc:docMk/>
       </pc:docMkLst>
@@ -279,7 +279,7 @@
         </pc:spChg>
       </pc:sldChg>
       <pc:sldChg chg="addSp delSp modSp mod">
-        <pc:chgData name="김주원" userId="50e89f99-2ab9-42fd-b407-8b4a13408e07" providerId="ADAL" clId="{FD2AFB32-5638-4DE0-9022-AF69CFC68F46}" dt="2024-01-22T11:55:16.032" v="1079" actId="478"/>
+        <pc:chgData name="김주원" userId="50e89f99-2ab9-42fd-b407-8b4a13408e07" providerId="ADAL" clId="{FD2AFB32-5638-4DE0-9022-AF69CFC68F46}" dt="2024-01-24T15:49:31.264" v="1188" actId="113"/>
         <pc:sldMkLst>
           <pc:docMk/>
           <pc:sldMk cId="930742149" sldId="365"/>
@@ -293,7 +293,15 @@
           </ac:spMkLst>
         </pc:spChg>
         <pc:spChg chg="mod">
-          <ac:chgData name="김주원" userId="50e89f99-2ab9-42fd-b407-8b4a13408e07" providerId="ADAL" clId="{FD2AFB32-5638-4DE0-9022-AF69CFC68F46}" dt="2024-01-22T11:51:11.910" v="710" actId="1076"/>
+          <ac:chgData name="김주원" userId="50e89f99-2ab9-42fd-b407-8b4a13408e07" providerId="ADAL" clId="{FD2AFB32-5638-4DE0-9022-AF69CFC68F46}" dt="2024-01-24T15:49:31.264" v="1188" actId="113"/>
+          <ac:spMkLst>
+            <pc:docMk/>
+            <pc:sldMk cId="930742149" sldId="365"/>
+            <ac:spMk id="6" creationId="{E3EE92CB-93D4-5864-5170-EED2D0DADF3C}"/>
+          </ac:spMkLst>
+        </pc:spChg>
+        <pc:spChg chg="mod">
+          <ac:chgData name="김주원" userId="50e89f99-2ab9-42fd-b407-8b4a13408e07" providerId="ADAL" clId="{FD2AFB32-5638-4DE0-9022-AF69CFC68F46}" dt="2024-01-24T15:43:55.041" v="1123" actId="20577"/>
           <ac:spMkLst>
             <pc:docMk/>
             <pc:sldMk cId="930742149" sldId="365"/>
@@ -631,7 +639,7 @@
         </pc:spChg>
       </pc:sldChg>
       <pc:sldChg chg="addSp delSp modSp add mod">
-        <pc:chgData name="김주원" userId="50e89f99-2ab9-42fd-b407-8b4a13408e07" providerId="ADAL" clId="{FD2AFB32-5638-4DE0-9022-AF69CFC68F46}" dt="2024-01-22T11:55:31.406" v="1081" actId="1076"/>
+        <pc:chgData name="김주원" userId="50e89f99-2ab9-42fd-b407-8b4a13408e07" providerId="ADAL" clId="{FD2AFB32-5638-4DE0-9022-AF69CFC68F46}" dt="2024-01-24T15:49:50.354" v="1190" actId="113"/>
         <pc:sldMkLst>
           <pc:docMk/>
           <pc:sldMk cId="569961880" sldId="375"/>
@@ -661,7 +669,7 @@
           </ac:spMkLst>
         </pc:spChg>
         <pc:spChg chg="mod">
-          <ac:chgData name="김주원" userId="50e89f99-2ab9-42fd-b407-8b4a13408e07" providerId="ADAL" clId="{FD2AFB32-5638-4DE0-9022-AF69CFC68F46}" dt="2024-01-22T11:55:06.544" v="1068" actId="20577"/>
+          <ac:chgData name="김주원" userId="50e89f99-2ab9-42fd-b407-8b4a13408e07" providerId="ADAL" clId="{FD2AFB32-5638-4DE0-9022-AF69CFC68F46}" dt="2024-01-24T15:49:50.354" v="1190" actId="113"/>
           <ac:spMkLst>
             <pc:docMk/>
             <pc:sldMk cId="569961880" sldId="375"/>
@@ -14929,7 +14937,7 @@
         </p:nvSpPr>
         <p:spPr>
           <a:xfrm>
-            <a:off x="213328" y="1230392"/>
+            <a:off x="213325" y="1230392"/>
             <a:ext cx="8643801" cy="933782"/>
           </a:xfrm>
           <a:prstGeom prst="rect">
@@ -14986,15 +14994,67 @@
             </a:pPr>
             <a:r>
               <a:rPr lang="ko-KR" altLang="en-US" sz="1200" spc="-50" dirty="0"/>
-              <a:t>모든 노드가 최대 </a:t>
+              <a:t>모든 노드가 </a:t>
+            </a:r>
+            <a:r>
+              <a:rPr lang="ko-KR" altLang="en-US" sz="1200" b="1" spc="-50" dirty="0">
+                <a:solidFill>
+                  <a:srgbClr val="C00000"/>
+                </a:solidFill>
+              </a:rPr>
+              <a:t>최대 </a:t>
+            </a:r>
+            <a:r>
+              <a:rPr lang="en-US" altLang="ko-KR" sz="1200" b="1" spc="-50" dirty="0">
+                <a:solidFill>
+                  <a:srgbClr val="C00000"/>
+                </a:solidFill>
+              </a:rPr>
+              <a:t>2</a:t>
+            </a:r>
+            <a:r>
+              <a:rPr lang="ko-KR" altLang="en-US" sz="1200" b="1" spc="-50" dirty="0">
+                <a:solidFill>
+                  <a:srgbClr val="C00000"/>
+                </a:solidFill>
+              </a:rPr>
+              <a:t>개의 자식 노드</a:t>
+            </a:r>
+            <a:r>
+              <a:rPr lang="ko-KR" altLang="en-US" sz="1200" spc="-50" dirty="0"/>
+              <a:t>를 가질 수 있는 트리</a:t>
             </a:r>
             <a:r>
               <a:rPr lang="en-US" altLang="ko-KR" sz="1200" spc="-50" dirty="0"/>
-              <a:t>2</a:t>
+              <a:t>, </a:t>
+            </a:r>
+            <a:r>
+              <a:rPr lang="ko-KR" altLang="en-US" sz="1200" b="1" spc="-50" dirty="0">
+                <a:solidFill>
+                  <a:srgbClr val="1E76B4"/>
+                </a:solidFill>
+              </a:rPr>
+              <a:t>수식 계산</a:t>
+            </a:r>
+            <a:r>
+              <a:rPr lang="en-US" altLang="ko-KR" sz="1200" b="1" spc="-50" dirty="0">
+                <a:solidFill>
+                  <a:srgbClr val="1E76B4"/>
+                </a:solidFill>
+              </a:rPr>
+              <a:t>, </a:t>
+            </a:r>
+            <a:r>
+              <a:rPr lang="ko-KR" altLang="en-US" sz="1200" b="1" spc="-50" dirty="0">
+                <a:solidFill>
+                  <a:srgbClr val="1E76B4"/>
+                </a:solidFill>
+              </a:rPr>
+              <a:t>자료 검색</a:t>
             </a:r>
             <a:r>
               <a:rPr lang="ko-KR" altLang="en-US" sz="1200" spc="-50" dirty="0"/>
-              <a:t>개의 자식을 가질 수 있는 트리</a:t>
+              <a:t>에 사용</a:t>
             </a:r>
             <a:endParaRPr lang="en-US" altLang="ko-KR" sz="1200" spc="-50" dirty="0"/>
           </a:p>
@@ -15076,7 +15136,7 @@
             </a:pPr>
             <a:r>
               <a:rPr lang="ko-KR" altLang="en-US" sz="1200" spc="-50" dirty="0"/>
-              <a:t>모든 노드가 최대 </a:t>
+              <a:t>잎 노드를 제외한 모든 노드가 </a:t>
             </a:r>
             <a:r>
               <a:rPr lang="en-US" altLang="ko-KR" sz="1200" spc="-50" dirty="0"/>
@@ -15084,7 +15144,7 @@
             </a:r>
             <a:r>
               <a:rPr lang="ko-KR" altLang="en-US" sz="1200" spc="-50" dirty="0"/>
-              <a:t>개의 자식을 가질 수 있는 트리</a:t>
+              <a:t>개의 자식을 가지는 트리</a:t>
             </a:r>
             <a:endParaRPr lang="en-US" altLang="ko-KR" sz="1200" spc="-50" dirty="0"/>
           </a:p>
@@ -16138,7 +16198,19 @@
             </a:pPr>
             <a:r>
               <a:rPr lang="ko-KR" altLang="en-US" sz="1200" spc="-50" dirty="0"/>
-              <a:t>뿌리 노드를 기준으로 왼쪽 하위 트리와 오른쪽 하위 트리 높이가 같은 이진 트리</a:t>
+              <a:t>뿌리 노드를 기준으로 왼쪽 하위 트리와 오른쪽 하위 트리 높이가 </a:t>
+            </a:r>
+            <a:r>
+              <a:rPr lang="ko-KR" altLang="en-US" sz="1200" b="1" spc="-50" dirty="0">
+                <a:solidFill>
+                  <a:srgbClr val="1E76B4"/>
+                </a:solidFill>
+              </a:rPr>
+              <a:t>같은</a:t>
+            </a:r>
+            <a:r>
+              <a:rPr lang="ko-KR" altLang="en-US" sz="1200" spc="-50" dirty="0"/>
+              <a:t> 이진 트리</a:t>
             </a:r>
             <a:endParaRPr lang="en-US" altLang="ko-KR" sz="1200" spc="-50" dirty="0"/>
           </a:p>

--- a/tree/theory/트리 발표_김주원_조경호.pptx
+++ b/tree/theory/트리 발표_김주원_조경호.pptx
@@ -812,7 +812,7 @@
           <a:p>
             <a:fld id="{E9F94088-395E-426C-8A76-A620CEAE2883}" type="datetimeFigureOut">
               <a:rPr lang="ko-KR" altLang="en-US" smtClean="0"/>
-              <a:t>2024-01-24</a:t>
+              <a:t>2024-01-25</a:t>
             </a:fld>
             <a:endParaRPr lang="ko-KR" altLang="en-US"/>
           </a:p>
@@ -1325,7 +1325,7 @@
           <a:p>
             <a:fld id="{300EE5FE-9AD7-4419-9C8E-B89E94B5F63E}" type="datetime1">
               <a:rPr lang="ko-KR" altLang="en-US" smtClean="0"/>
-              <a:t>2024-01-24</a:t>
+              <a:t>2024-01-25</a:t>
             </a:fld>
             <a:endParaRPr lang="ko-KR" altLang="en-US"/>
           </a:p>
@@ -1513,7 +1513,7 @@
           <a:p>
             <a:fld id="{1F638537-8CAA-4A93-B1BC-6DC8111D462B}" type="datetime1">
               <a:rPr lang="ko-KR" altLang="en-US" smtClean="0"/>
-              <a:t>2024-01-24</a:t>
+              <a:t>2024-01-25</a:t>
             </a:fld>
             <a:endParaRPr lang="ko-KR" altLang="en-US"/>
           </a:p>
@@ -1867,7 +1867,7 @@
           <a:p>
             <a:fld id="{2D9E65BE-A62C-4614-945C-476206DE6A36}" type="datetime1">
               <a:rPr lang="ko-KR" altLang="en-US" smtClean="0"/>
-              <a:t>2024-01-24</a:t>
+              <a:t>2024-01-25</a:t>
             </a:fld>
             <a:endParaRPr lang="ko-KR" altLang="en-US"/>
           </a:p>
@@ -2171,7 +2171,7 @@
           <a:p>
             <a:fld id="{5F2CF19A-2EC4-4A73-9203-E1C8B44D528D}" type="datetime1">
               <a:rPr lang="ko-KR" altLang="en-US" smtClean="0"/>
-              <a:t>2024-01-24</a:t>
+              <a:t>2024-01-25</a:t>
             </a:fld>
             <a:endParaRPr lang="ko-KR" altLang="en-US"/>
           </a:p>
@@ -2411,7 +2411,7 @@
           <a:p>
             <a:fld id="{7F829988-8BE4-4EAB-8462-F2455D191279}" type="datetime1">
               <a:rPr lang="ko-KR" altLang="en-US" smtClean="0"/>
-              <a:t>2024-01-24</a:t>
+              <a:t>2024-01-25</a:t>
             </a:fld>
             <a:endParaRPr lang="ko-KR" altLang="en-US"/>
           </a:p>
@@ -2786,7 +2786,7 @@
           <a:p>
             <a:fld id="{44B44107-B661-47CB-8686-20B6EAC3031F}" type="datetime1">
               <a:rPr lang="ko-KR" altLang="en-US" smtClean="0"/>
-              <a:t>2024-01-24</a:t>
+              <a:t>2024-01-25</a:t>
             </a:fld>
             <a:endParaRPr lang="ko-KR" altLang="en-US"/>
           </a:p>
@@ -2912,7 +2912,7 @@
           <a:p>
             <a:fld id="{89A2A1E5-D725-4301-B8E3-4649EDE1033C}" type="datetime1">
               <a:rPr lang="ko-KR" altLang="en-US" smtClean="0"/>
-              <a:t>2024-01-24</a:t>
+              <a:t>2024-01-25</a:t>
             </a:fld>
             <a:endParaRPr lang="ko-KR" altLang="en-US"/>
           </a:p>
@@ -3015,7 +3015,7 @@
           <a:p>
             <a:fld id="{3C9CE3D7-264A-4F13-93B5-E3A31E777A42}" type="datetime1">
               <a:rPr lang="ko-KR" altLang="en-US" smtClean="0"/>
-              <a:t>2024-01-24</a:t>
+              <a:t>2024-01-25</a:t>
             </a:fld>
             <a:endParaRPr lang="ko-KR" altLang="en-US"/>
           </a:p>
@@ -3300,7 +3300,7 @@
           <a:p>
             <a:fld id="{EBC0AEB1-40F7-48EE-88B3-0D74AB5CEA7C}" type="datetime1">
               <a:rPr lang="ko-KR" altLang="en-US" smtClean="0"/>
-              <a:t>2024-01-24</a:t>
+              <a:t>2024-01-25</a:t>
             </a:fld>
             <a:endParaRPr lang="ko-KR" altLang="en-US"/>
           </a:p>
@@ -3565,7 +3565,7 @@
           <a:p>
             <a:fld id="{9ECC5C2B-9CB0-48AE-B213-9943BA0CDBA2}" type="datetime1">
               <a:rPr lang="ko-KR" altLang="en-US" smtClean="0"/>
-              <a:t>2024-01-24</a:t>
+              <a:t>2024-01-25</a:t>
             </a:fld>
             <a:endParaRPr lang="ko-KR" altLang="en-US"/>
           </a:p>
@@ -3754,7 +3754,7 @@
           <a:p>
             <a:fld id="{471A1093-E17A-420B-A73F-686096EAF651}" type="datetime1">
               <a:rPr lang="ko-KR" altLang="en-US" smtClean="0"/>
-              <a:t>2024-01-24</a:t>
+              <a:t>2024-01-25</a:t>
             </a:fld>
             <a:endParaRPr lang="ko-KR" altLang="en-US"/>
           </a:p>
@@ -6165,7 +6165,7 @@
             <a:r>
               <a:rPr lang="en-US" altLang="ko-KR" sz="1200" b="1" spc="-50" dirty="0">
                 <a:solidFill>
-                  <a:srgbClr val="0000FF"/>
+                  <a:schemeClr val="accent1"/>
                 </a:solidFill>
               </a:rPr>
               <a:t>2</a:t>
@@ -6173,7 +6173,7 @@
             <a:r>
               <a:rPr lang="ko-KR" altLang="en-US" sz="1200" b="1" spc="-50" dirty="0">
                 <a:solidFill>
-                  <a:srgbClr val="0000FF"/>
+                  <a:schemeClr val="accent1"/>
                 </a:solidFill>
               </a:rPr>
               <a:t>개의 포인터</a:t>
@@ -6181,7 +6181,7 @@
             <a:r>
               <a:rPr lang="en-US" altLang="ko-KR" sz="1200" b="1" spc="-50" dirty="0">
                 <a:solidFill>
-                  <a:srgbClr val="0000FF"/>
+                  <a:schemeClr val="accent1"/>
                 </a:solidFill>
               </a:rPr>
               <a:t>(</a:t>
@@ -6189,7 +6189,7 @@
             <a:r>
               <a:rPr lang="ko-KR" altLang="en-US" sz="1200" b="1" spc="-50" dirty="0">
                 <a:solidFill>
-                  <a:srgbClr val="0000FF"/>
+                  <a:schemeClr val="accent1"/>
                 </a:solidFill>
               </a:rPr>
               <a:t>왼쪽 자식 포인터</a:t>
@@ -6197,7 +6197,7 @@
             <a:r>
               <a:rPr lang="en-US" altLang="ko-KR" sz="1200" b="1" spc="-50" dirty="0">
                 <a:solidFill>
-                  <a:srgbClr val="0000FF"/>
+                  <a:schemeClr val="accent1"/>
                 </a:solidFill>
               </a:rPr>
               <a:t>, </a:t>
@@ -6205,7 +6205,7 @@
             <a:r>
               <a:rPr lang="ko-KR" altLang="en-US" sz="1200" b="1" spc="-50" dirty="0">
                 <a:solidFill>
-                  <a:srgbClr val="0000FF"/>
+                  <a:schemeClr val="accent1"/>
                 </a:solidFill>
               </a:rPr>
               <a:t>오른쪽 형제 포인터</a:t>
@@ -6213,7 +6213,7 @@
             <a:r>
               <a:rPr lang="en-US" altLang="ko-KR" sz="1200" b="1" spc="-50" dirty="0">
                 <a:solidFill>
-                  <a:srgbClr val="0000FF"/>
+                  <a:schemeClr val="accent1"/>
                 </a:solidFill>
               </a:rPr>
               <a:t>)</a:t>
@@ -6724,12 +6724,24 @@
               <a:buChar char="§"/>
             </a:pPr>
             <a:r>
-              <a:rPr lang="en-US" altLang="ko-KR" sz="1200" spc="-50" dirty="0"/>
+              <a:rPr lang="en-US" altLang="ko-KR" sz="1200" b="1" spc="-50" dirty="0">
+                <a:solidFill>
+                  <a:schemeClr val="accent1"/>
+                </a:solidFill>
+              </a:rPr>
               <a:t>Data, 2</a:t>
             </a:r>
             <a:r>
+              <a:rPr lang="ko-KR" altLang="en-US" sz="1200" b="1" spc="-50" dirty="0">
+                <a:solidFill>
+                  <a:schemeClr val="accent1"/>
+                </a:solidFill>
+              </a:rPr>
+              <a:t>개의 포인터</a:t>
+            </a:r>
+            <a:r>
               <a:rPr lang="ko-KR" altLang="en-US" sz="1200" spc="-50" dirty="0"/>
-              <a:t>개의 포인터로 구성</a:t>
+              <a:t>로 구성</a:t>
             </a:r>
             <a:endParaRPr lang="en-US" altLang="ko-KR" sz="1200" spc="-50" dirty="0"/>
           </a:p>
@@ -10124,7 +10136,7 @@
             </a:r>
             <a:r>
               <a:rPr lang="ko-KR" altLang="en-US" sz="1200" spc="-50" dirty="0"/>
-              <a:t>하위 트리 출력</a:t>
+              <a:t>하위 트리 재귀호출</a:t>
             </a:r>
             <a:endParaRPr lang="en-US" altLang="ko-KR" sz="1200" spc="-50" dirty="0"/>
           </a:p>
@@ -10615,7 +10627,27 @@
                 <a:effectLst/>
                 <a:latin typeface="Consolas" panose="020B0609020204030204" pitchFamily="49" charset="0"/>
               </a:rPr>
-              <a:t> // </a:t>
+              <a:t> // (</a:t>
+            </a:r>
+            <a:r>
+              <a:rPr lang="ko-KR" altLang="en-US" sz="1400" b="0" dirty="0">
+                <a:solidFill>
+                  <a:srgbClr val="6A9955"/>
+                </a:solidFill>
+                <a:effectLst/>
+                <a:latin typeface="Consolas" panose="020B0609020204030204" pitchFamily="49" charset="0"/>
+              </a:rPr>
+              <a:t>깊이</a:t>
+            </a:r>
+            <a:r>
+              <a:rPr lang="en-US" altLang="ko-KR" sz="1400" b="0" dirty="0">
+                <a:solidFill>
+                  <a:srgbClr val="6A9955"/>
+                </a:solidFill>
+                <a:effectLst/>
+                <a:latin typeface="Consolas" panose="020B0609020204030204" pitchFamily="49" charset="0"/>
+              </a:rPr>
+              <a:t>-1)*</a:t>
             </a:r>
             <a:r>
               <a:rPr lang="ko-KR" altLang="en-US" sz="1400" b="0" dirty="0">
@@ -32523,12 +32555,20 @@
                   <a:srgbClr val="0000FF"/>
                 </a:solidFill>
               </a:rPr>
-              <a:t>   뿌리</a:t>
+              <a:t>   </a:t>
+            </a:r>
+            <a:r>
+              <a:rPr lang="ko-KR" altLang="en-US" sz="1200" b="1" spc="-50" dirty="0">
+                <a:solidFill>
+                  <a:schemeClr val="accent1"/>
+                </a:solidFill>
+              </a:rPr>
+              <a:t>뿌리</a:t>
             </a:r>
             <a:r>
               <a:rPr lang="en-US" altLang="ko-KR" sz="1200" b="1" spc="-50" dirty="0">
                 <a:solidFill>
-                  <a:srgbClr val="0000FF"/>
+                  <a:schemeClr val="accent1"/>
                 </a:solidFill>
               </a:rPr>
               <a:t>, </a:t>
@@ -32536,7 +32576,7 @@
             <a:r>
               <a:rPr lang="ko-KR" altLang="en-US" sz="1200" b="1" spc="-50" dirty="0">
                 <a:solidFill>
-                  <a:srgbClr val="0000FF"/>
+                  <a:schemeClr val="accent1"/>
                 </a:solidFill>
               </a:rPr>
               <a:t>가지</a:t>
@@ -32544,7 +32584,7 @@
             <a:r>
               <a:rPr lang="en-US" altLang="ko-KR" sz="1200" b="1" spc="-50" dirty="0">
                 <a:solidFill>
-                  <a:srgbClr val="0000FF"/>
+                  <a:schemeClr val="accent1"/>
                 </a:solidFill>
               </a:rPr>
               <a:t>, </a:t>
@@ -32552,7 +32592,7 @@
             <a:r>
               <a:rPr lang="ko-KR" altLang="en-US" sz="1200" b="1" spc="-50" dirty="0">
                 <a:solidFill>
-                  <a:srgbClr val="0000FF"/>
+                  <a:schemeClr val="accent1"/>
                 </a:solidFill>
               </a:rPr>
               <a:t>잎</a:t>
@@ -35167,14 +35207,14 @@
             <a:r>
               <a:rPr lang="ko-KR" altLang="en-US" sz="1200" b="1" spc="-50" dirty="0">
                 <a:solidFill>
-                  <a:srgbClr val="0000FF"/>
+                  <a:schemeClr val="accent1"/>
                 </a:solidFill>
               </a:rPr>
               <a:t>자식 노드 개수</a:t>
             </a:r>
             <a:endParaRPr lang="en-US" altLang="ko-KR" sz="1200" b="1" spc="-50" dirty="0">
               <a:solidFill>
-                <a:srgbClr val="0000FF"/>
+                <a:schemeClr val="accent1"/>
               </a:solidFill>
             </a:endParaRPr>
           </a:p>
@@ -35432,6 +35472,61 @@
           <a:p>
             <a:pPr algn="ctr"/>
             <a:endParaRPr lang="ko-KR" altLang="en-US"/>
+          </a:p>
+        </p:txBody>
+      </p:sp>
+      <p:sp>
+        <p:nvSpPr>
+          <p:cNvPr id="7" name="TextBox 6">
+            <a:extLst>
+              <a:ext uri="{FF2B5EF4-FFF2-40B4-BE49-F238E27FC236}">
+                <a16:creationId xmlns:a16="http://schemas.microsoft.com/office/drawing/2014/main" id="{793D34F2-367F-40A2-BA10-BAB570F33577}"/>
+              </a:ext>
+            </a:extLst>
+          </p:cNvPr>
+          <p:cNvSpPr txBox="1"/>
+          <p:nvPr/>
+        </p:nvSpPr>
+        <p:spPr>
+          <a:xfrm>
+            <a:off x="6716265" y="3002883"/>
+            <a:ext cx="1912346" cy="369332"/>
+          </a:xfrm>
+          <a:prstGeom prst="rect">
+            <a:avLst/>
+          </a:prstGeom>
+          <a:noFill/>
+        </p:spPr>
+        <p:txBody>
+          <a:bodyPr wrap="square" rtlCol="0">
+            <a:spAutoFit/>
+          </a:bodyPr>
+          <a:lstStyle/>
+          <a:p>
+            <a:r>
+              <a:rPr lang="ko-KR" altLang="en-US" b="1" dirty="0">
+                <a:solidFill>
+                  <a:srgbClr val="00B050"/>
+                </a:solidFill>
+              </a:rPr>
+              <a:t>←</a:t>
+            </a:r>
+            <a:r>
+              <a:rPr lang="en-US" altLang="ko-KR" b="1" dirty="0">
+                <a:solidFill>
+                  <a:srgbClr val="00B050"/>
+                </a:solidFill>
+              </a:rPr>
+              <a:t> </a:t>
+            </a:r>
+            <a:r>
+              <a:rPr lang="ko-KR" altLang="en-US" b="1" dirty="0">
+                <a:solidFill>
+                  <a:srgbClr val="00B050"/>
+                </a:solidFill>
+              </a:rPr>
+              <a:t>트리의 차수</a:t>
+            </a:r>
           </a:p>
         </p:txBody>
       </p:sp>
